--- a/ミーティング用PowerPoint/1821086_matsuo_sotsuken_0623.pptx
+++ b/ミーティング用PowerPoint/1821086_matsuo_sotsuken_0623.pptx
@@ -213,7 +213,7 @@
           <a:p>
             <a:fld id="{FE6A3D4C-FB20-486F-A33D-02A27AB85120}" type="datetimeFigureOut">
               <a:rPr kumimoji="1" lang="ja-JP" altLang="en-US" smtClean="0"/>
-              <a:t>2021/6/23</a:t>
+              <a:t>2021/6/25</a:t>
             </a:fld>
             <a:endParaRPr kumimoji="1" lang="ja-JP" altLang="en-US"/>
           </a:p>
@@ -644,7 +644,7 @@
           <a:p>
             <a:fld id="{8E4A1F93-69A3-471B-8D05-15324430A4DD}" type="datetime1">
               <a:rPr kumimoji="1" lang="ja-JP" altLang="en-US" smtClean="0"/>
-              <a:t>2021/6/23</a:t>
+              <a:t>2021/6/25</a:t>
             </a:fld>
             <a:endParaRPr kumimoji="1" lang="ja-JP" altLang="en-US"/>
           </a:p>
@@ -846,7 +846,7 @@
           <a:p>
             <a:fld id="{47EC324E-2B01-4D23-82E0-3EC1C190E400}" type="datetime1">
               <a:rPr kumimoji="1" lang="ja-JP" altLang="en-US" smtClean="0"/>
-              <a:t>2021/6/23</a:t>
+              <a:t>2021/6/25</a:t>
             </a:fld>
             <a:endParaRPr kumimoji="1" lang="ja-JP" altLang="en-US"/>
           </a:p>
@@ -1058,7 +1058,7 @@
           <a:p>
             <a:fld id="{B09C661C-5EE3-4B7B-8947-29C898E7C4AC}" type="datetime1">
               <a:rPr kumimoji="1" lang="ja-JP" altLang="en-US" smtClean="0"/>
-              <a:t>2021/6/23</a:t>
+              <a:t>2021/6/25</a:t>
             </a:fld>
             <a:endParaRPr kumimoji="1" lang="ja-JP" altLang="en-US"/>
           </a:p>
@@ -1260,7 +1260,7 @@
           <a:p>
             <a:fld id="{28E8E33C-4CBF-4258-9CD2-709B71F25A1F}" type="datetime1">
               <a:rPr kumimoji="1" lang="ja-JP" altLang="en-US" smtClean="0"/>
-              <a:t>2021/6/23</a:t>
+              <a:t>2021/6/25</a:t>
             </a:fld>
             <a:endParaRPr kumimoji="1" lang="ja-JP" altLang="en-US"/>
           </a:p>
@@ -1504,7 +1504,7 @@
           <a:p>
             <a:fld id="{A01E1143-36BB-4F4B-A4A4-99763A2BE9AA}" type="datetime1">
               <a:rPr kumimoji="1" lang="ja-JP" altLang="en-US" smtClean="0"/>
-              <a:t>2021/6/23</a:t>
+              <a:t>2021/6/25</a:t>
             </a:fld>
             <a:endParaRPr kumimoji="1" lang="ja-JP" altLang="en-US"/>
           </a:p>
@@ -1800,7 +1800,7 @@
           <a:p>
             <a:fld id="{4A6F5D2E-09FC-4A35-B791-2DDB0EF42AB8}" type="datetime1">
               <a:rPr kumimoji="1" lang="ja-JP" altLang="en-US" smtClean="0"/>
-              <a:t>2021/6/23</a:t>
+              <a:t>2021/6/25</a:t>
             </a:fld>
             <a:endParaRPr kumimoji="1" lang="ja-JP" altLang="en-US"/>
           </a:p>
@@ -2231,7 +2231,7 @@
           <a:p>
             <a:fld id="{C8DEB04E-9403-42AC-BAE7-0FE028A58EA7}" type="datetime1">
               <a:rPr kumimoji="1" lang="ja-JP" altLang="en-US" smtClean="0"/>
-              <a:t>2021/6/23</a:t>
+              <a:t>2021/6/25</a:t>
             </a:fld>
             <a:endParaRPr kumimoji="1" lang="ja-JP" altLang="en-US"/>
           </a:p>
@@ -2349,7 +2349,7 @@
           <a:p>
             <a:fld id="{D9BEF992-FDCA-41F9-A6CD-E3A221CFA6CA}" type="datetime1">
               <a:rPr kumimoji="1" lang="ja-JP" altLang="en-US" smtClean="0"/>
-              <a:t>2021/6/23</a:t>
+              <a:t>2021/6/25</a:t>
             </a:fld>
             <a:endParaRPr kumimoji="1" lang="ja-JP" altLang="en-US"/>
           </a:p>
@@ -2444,7 +2444,7 @@
           <a:p>
             <a:fld id="{DFB6F5E9-02FB-4211-A4CE-A63C270DB93E}" type="datetime1">
               <a:rPr kumimoji="1" lang="ja-JP" altLang="en-US" smtClean="0"/>
-              <a:t>2021/6/23</a:t>
+              <a:t>2021/6/25</a:t>
             </a:fld>
             <a:endParaRPr kumimoji="1" lang="ja-JP" altLang="en-US"/>
           </a:p>
@@ -2753,7 +2753,7 @@
           <a:p>
             <a:fld id="{15FF5806-10DC-4FFB-B0D3-2B2071E606F8}" type="datetime1">
               <a:rPr kumimoji="1" lang="ja-JP" altLang="en-US" smtClean="0"/>
-              <a:t>2021/6/23</a:t>
+              <a:t>2021/6/25</a:t>
             </a:fld>
             <a:endParaRPr kumimoji="1" lang="ja-JP" altLang="en-US"/>
           </a:p>
@@ -3010,7 +3010,7 @@
           <a:p>
             <a:fld id="{221CC2B4-5F3D-48EB-A6D8-A1DAE6659061}" type="datetime1">
               <a:rPr kumimoji="1" lang="ja-JP" altLang="en-US" smtClean="0"/>
-              <a:t>2021/6/23</a:t>
+              <a:t>2021/6/25</a:t>
             </a:fld>
             <a:endParaRPr kumimoji="1" lang="ja-JP" altLang="en-US"/>
           </a:p>
@@ -3255,7 +3255,7 @@
           <a:p>
             <a:fld id="{3B3589A1-A792-4BF6-B490-E826193AAA7C}" type="datetime1">
               <a:rPr kumimoji="1" lang="ja-JP" altLang="en-US" smtClean="0"/>
-              <a:t>2021/6/23</a:t>
+              <a:t>2021/6/25</a:t>
             </a:fld>
             <a:endParaRPr kumimoji="1" lang="ja-JP" altLang="en-US"/>
           </a:p>
@@ -7162,11 +7162,7 @@
           <a:p>
             <a:r>
               <a:rPr lang="ja-JP" altLang="en-US" sz="4000" dirty="0" smtClean="0"/>
-              <a:t>ロードバランサ</a:t>
-            </a:r>
-            <a:r>
-              <a:rPr lang="ja-JP" altLang="en-US" sz="4000" dirty="0" smtClean="0"/>
-              <a:t>に使われる技術</a:t>
+              <a:t>ロードバランサに使われる技術</a:t>
             </a:r>
             <a:endParaRPr kumimoji="1" lang="ja-JP" altLang="en-US" dirty="0"/>
           </a:p>
@@ -8269,11 +8265,7 @@
             </a:r>
             <a:r>
               <a:rPr lang="ja-JP" altLang="en-US" dirty="0" smtClean="0"/>
-              <a:t>システムの</a:t>
-            </a:r>
-            <a:r>
-              <a:rPr lang="ja-JP" altLang="en-US" dirty="0" smtClean="0"/>
-              <a:t>ブラッシュアップ</a:t>
+              <a:t>システムのブラッシュアップ</a:t>
             </a:r>
             <a:r>
               <a:rPr lang="en-US" altLang="ja-JP" dirty="0" smtClean="0"/>
@@ -8288,15 +8280,7 @@
             </a:r>
             <a:r>
               <a:rPr lang="ja-JP" altLang="en-US" dirty="0" smtClean="0"/>
-              <a:t>例）</a:t>
-            </a:r>
-            <a:r>
-              <a:rPr lang="ja-JP" altLang="en-US" dirty="0" smtClean="0"/>
-              <a:t>非同期</a:t>
-            </a:r>
-            <a:r>
-              <a:rPr lang="ja-JP" altLang="en-US" dirty="0" smtClean="0"/>
-              <a:t>通信</a:t>
+              <a:t>例）非同期通信</a:t>
             </a:r>
             <a:r>
               <a:rPr lang="en-US" altLang="ja-JP" dirty="0" smtClean="0"/>
@@ -8383,22 +8367,19 @@
             </a:r>
             <a:r>
               <a:rPr lang="ja-JP" altLang="en-US" sz="2400" dirty="0" smtClean="0"/>
-              <a:t>はロードバランスする機能があるらしいので</a:t>
+              <a:t>はリバースプロキシや、ロードバランスする機能が備わっているらしい。まずは、</a:t>
             </a:r>
             <a:r>
               <a:rPr lang="en-US" altLang="ja-JP" sz="2400" dirty="0" smtClean="0"/>
-              <a:t/>
-            </a:r>
-            <a:br>
-              <a:rPr lang="en-US" altLang="ja-JP" sz="2400" dirty="0" smtClean="0"/>
-            </a:br>
+              <a:t>3</a:t>
+            </a:r>
+            <a:r>
+              <a:rPr lang="ja-JP" altLang="en-US" dirty="0" smtClean="0"/>
+              <a:t>台の</a:t>
+            </a:r>
             <a:r>
               <a:rPr lang="ja-JP" altLang="en-US" sz="2400" dirty="0" smtClean="0"/>
-              <a:t>まずは、順に振り分けるラウンドロビンを試して</a:t>
-            </a:r>
-            <a:r>
-              <a:rPr lang="ja-JP" altLang="en-US" sz="2400" dirty="0" smtClean="0"/>
-              <a:t>みたい。</a:t>
+              <a:t>ラズパイへアクセスを振り分けたり、ラウンドロビンを試してみたい。</a:t>
             </a:r>
             <a:r>
               <a:rPr lang="en-US" altLang="ja-JP" sz="2400" dirty="0" smtClean="0"/>
@@ -8434,8 +8415,8 @@
         </p:blipFill>
         <p:spPr bwMode="auto">
           <a:xfrm>
-            <a:off x="819121" y="4846940"/>
-            <a:ext cx="1859342" cy="976154"/>
+            <a:off x="705832" y="5136277"/>
+            <a:ext cx="2151835" cy="1129713"/>
           </a:xfrm>
           <a:prstGeom prst="rect">
             <a:avLst/>
@@ -8686,11 +8667,7 @@
           <a:p>
             <a:r>
               <a:rPr lang="ja-JP" altLang="en-US" dirty="0" smtClean="0"/>
-              <a:t>監視</a:t>
-            </a:r>
-            <a:r>
-              <a:rPr lang="ja-JP" altLang="en-US" dirty="0" smtClean="0"/>
-              <a:t>システム通知機能の実装</a:t>
+              <a:t>監視システム通知機能の実装</a:t>
             </a:r>
             <a:endParaRPr kumimoji="1" lang="ja-JP" altLang="en-US" dirty="0"/>
           </a:p>
